--- a/演示文稿1.pptx
+++ b/演示文稿1.pptx
@@ -7,6 +7,8 @@
   <p:sldIdLst>
     <p:sldId id="256" r:id="rId2"/>
     <p:sldId id="257" r:id="rId3"/>
+    <p:sldId id="258" r:id="rId4"/>
+    <p:sldId id="259" r:id="rId5"/>
   </p:sldIdLst>
   <p:sldSz cx="12192000" cy="6858000"/>
   <p:notesSz cx="6858000" cy="9144000"/>
@@ -3343,7 +3345,10 @@
           <a:bodyPr/>
           <a:lstStyle/>
           <a:p>
-            <a:endParaRPr lang="zh-CN" altLang="en-US" dirty="0"/>
+            <a:r>
+              <a:rPr lang="zh-CN" altLang="en-US" dirty="0"/>
+              <a:t>地图在物流行业的应用及渲染前端技术</a:t>
+            </a:r>
           </a:p>
         </p:txBody>
       </p:sp>
@@ -3442,7 +3447,7 @@
               <a:t>1. </a:t>
             </a:r>
             <a:r>
-              <a:rPr lang="zh-CN" altLang="en-US"/>
+              <a:rPr lang="zh-CN" altLang="en-US" dirty="0"/>
               <a:t>什么是地图</a:t>
             </a:r>
           </a:p>
@@ -3452,6 +3457,320 @@
     <p:extLst>
       <p:ext uri="{BB962C8B-B14F-4D97-AF65-F5344CB8AC3E}">
         <p14:creationId xmlns:p14="http://schemas.microsoft.com/office/powerpoint/2010/main" val="4014922239"/>
+      </p:ext>
+    </p:extLst>
+  </p:cSld>
+  <p:clrMapOvr>
+    <a:masterClrMapping/>
+  </p:clrMapOvr>
+</p:sld>
+</file>
+
+<file path=ppt/slides/slide3.xml><?xml version="1.0" encoding="utf-8"?>
+<p:sld xmlns:a="http://schemas.openxmlformats.org/drawingml/2006/main" xmlns:r="http://schemas.openxmlformats.org/officeDocument/2006/relationships" xmlns:p="http://schemas.openxmlformats.org/presentationml/2006/main">
+  <p:cSld>
+    <p:spTree>
+      <p:nvGrpSpPr>
+        <p:cNvPr id="1" name=""/>
+        <p:cNvGrpSpPr/>
+        <p:nvPr/>
+      </p:nvGrpSpPr>
+      <p:grpSpPr>
+        <a:xfrm>
+          <a:off x="0" y="0"/>
+          <a:ext cx="0" cy="0"/>
+          <a:chOff x="0" y="0"/>
+          <a:chExt cx="0" cy="0"/>
+        </a:xfrm>
+      </p:grpSpPr>
+      <p:sp>
+        <p:nvSpPr>
+          <p:cNvPr id="4" name="文本框 3">
+            <a:extLst>
+              <a:ext uri="{FF2B5EF4-FFF2-40B4-BE49-F238E27FC236}">
+                <a16:creationId xmlns:a16="http://schemas.microsoft.com/office/drawing/2014/main" id="{0BB126AB-F839-4384-90D9-DDEB9D54FE36}"/>
+              </a:ext>
+            </a:extLst>
+          </p:cNvPr>
+          <p:cNvSpPr txBox="1"/>
+          <p:nvPr/>
+        </p:nvSpPr>
+        <p:spPr>
+          <a:xfrm>
+            <a:off x="1860884" y="577516"/>
+            <a:ext cx="3272590" cy="369332"/>
+          </a:xfrm>
+          <a:prstGeom prst="rect">
+            <a:avLst/>
+          </a:prstGeom>
+          <a:noFill/>
+        </p:spPr>
+        <p:txBody>
+          <a:bodyPr wrap="square" rtlCol="0">
+            <a:spAutoFit/>
+          </a:bodyPr>
+          <a:lstStyle/>
+          <a:p>
+            <a:r>
+              <a:rPr lang="en-US" altLang="zh-CN" dirty="0"/>
+              <a:t>1. </a:t>
+            </a:r>
+            <a:r>
+              <a:rPr lang="zh-CN" altLang="en-US" dirty="0"/>
+              <a:t>什么是地图</a:t>
+            </a:r>
+          </a:p>
+        </p:txBody>
+      </p:sp>
+      <p:sp>
+        <p:nvSpPr>
+          <p:cNvPr id="5" name="文本框 4">
+            <a:extLst>
+              <a:ext uri="{FF2B5EF4-FFF2-40B4-BE49-F238E27FC236}">
+                <a16:creationId xmlns:a16="http://schemas.microsoft.com/office/drawing/2014/main" id="{BD2DC2CC-6C5E-4528-AFF5-4E5731D6B5AB}"/>
+              </a:ext>
+            </a:extLst>
+          </p:cNvPr>
+          <p:cNvSpPr txBox="1"/>
+          <p:nvPr/>
+        </p:nvSpPr>
+        <p:spPr>
+          <a:xfrm>
+            <a:off x="1122948" y="1501714"/>
+            <a:ext cx="9480884" cy="1754326"/>
+          </a:xfrm>
+          <a:prstGeom prst="rect">
+            <a:avLst/>
+          </a:prstGeom>
+          <a:noFill/>
+        </p:spPr>
+        <p:txBody>
+          <a:bodyPr wrap="square" rtlCol="0">
+            <a:spAutoFit/>
+          </a:bodyPr>
+          <a:lstStyle/>
+          <a:p>
+            <a:r>
+              <a:rPr lang="zh-CN" altLang="en-US" dirty="0"/>
+              <a:t>地图：一切与位置有关的多层数据的叠加显示，提供现实实体基于地理位置的的定位、导航等</a:t>
+            </a:r>
+            <a:endParaRPr lang="en-US" altLang="zh-CN" dirty="0"/>
+          </a:p>
+          <a:p>
+            <a:r>
+              <a:rPr lang="zh-CN" altLang="en-US" dirty="0"/>
+              <a:t>导航系统：</a:t>
+            </a:r>
+            <a:r>
+              <a:rPr lang="en-US" altLang="zh-CN" dirty="0"/>
+              <a:t>GPS</a:t>
+            </a:r>
+            <a:r>
+              <a:rPr lang="zh-CN" altLang="en-US" dirty="0"/>
+              <a:t>、格洛纳斯、伽利略、北斗</a:t>
+            </a:r>
+            <a:endParaRPr lang="en-US" altLang="zh-CN" dirty="0"/>
+          </a:p>
+          <a:p>
+            <a:r>
+              <a:rPr lang="zh-CN" altLang="en-US" dirty="0"/>
+              <a:t>数据：矢量数据、栅格数据</a:t>
+            </a:r>
+            <a:endParaRPr lang="en-US" altLang="zh-CN" dirty="0"/>
+          </a:p>
+          <a:p>
+            <a:r>
+              <a:rPr lang="zh-CN" altLang="en-US" dirty="0"/>
+              <a:t>坐标系：地理坐标系、投影坐标系（地图比例尺）</a:t>
+            </a:r>
+            <a:endParaRPr lang="en-US" altLang="zh-CN" dirty="0"/>
+          </a:p>
+          <a:p>
+            <a:r>
+              <a:rPr lang="zh-CN" altLang="en-US" dirty="0"/>
+              <a:t>地图的功能：基本使用：定位、导航。行业使用：空间分析，</a:t>
+            </a:r>
+          </a:p>
+        </p:txBody>
+      </p:sp>
+    </p:spTree>
+    <p:extLst>
+      <p:ext uri="{BB962C8B-B14F-4D97-AF65-F5344CB8AC3E}">
+        <p14:creationId xmlns:p14="http://schemas.microsoft.com/office/powerpoint/2010/main" val="1875842148"/>
+      </p:ext>
+    </p:extLst>
+  </p:cSld>
+  <p:clrMapOvr>
+    <a:masterClrMapping/>
+  </p:clrMapOvr>
+</p:sld>
+</file>
+
+<file path=ppt/slides/slide4.xml><?xml version="1.0" encoding="utf-8"?>
+<p:sld xmlns:a="http://schemas.openxmlformats.org/drawingml/2006/main" xmlns:r="http://schemas.openxmlformats.org/officeDocument/2006/relationships" xmlns:p="http://schemas.openxmlformats.org/presentationml/2006/main">
+  <p:cSld>
+    <p:spTree>
+      <p:nvGrpSpPr>
+        <p:cNvPr id="1" name=""/>
+        <p:cNvGrpSpPr/>
+        <p:nvPr/>
+      </p:nvGrpSpPr>
+      <p:grpSpPr>
+        <a:xfrm>
+          <a:off x="0" y="0"/>
+          <a:ext cx="0" cy="0"/>
+          <a:chOff x="0" y="0"/>
+          <a:chExt cx="0" cy="0"/>
+        </a:xfrm>
+      </p:grpSpPr>
+      <p:sp>
+        <p:nvSpPr>
+          <p:cNvPr id="2" name="标题 1">
+            <a:extLst>
+              <a:ext uri="{FF2B5EF4-FFF2-40B4-BE49-F238E27FC236}">
+                <a16:creationId xmlns:a16="http://schemas.microsoft.com/office/drawing/2014/main" id="{78DCF953-5399-4F16-BBED-6ABB01D14F57}"/>
+              </a:ext>
+            </a:extLst>
+          </p:cNvPr>
+          <p:cNvSpPr>
+            <a:spLocks noGrp="1"/>
+          </p:cNvSpPr>
+          <p:nvPr>
+            <p:ph type="title"/>
+          </p:nvPr>
+        </p:nvSpPr>
+        <p:spPr/>
+        <p:txBody>
+          <a:bodyPr/>
+          <a:lstStyle/>
+          <a:p>
+            <a:r>
+              <a:rPr lang="zh-CN" altLang="en-US" dirty="0"/>
+              <a:t>科技改变物流，物流改变生活</a:t>
+            </a:r>
+          </a:p>
+        </p:txBody>
+      </p:sp>
+      <p:sp>
+        <p:nvSpPr>
+          <p:cNvPr id="3" name="内容占位符 2">
+            <a:extLst>
+              <a:ext uri="{FF2B5EF4-FFF2-40B4-BE49-F238E27FC236}">
+                <a16:creationId xmlns:a16="http://schemas.microsoft.com/office/drawing/2014/main" id="{64662E77-F15F-4360-A2B6-4D005DAA2B18}"/>
+              </a:ext>
+            </a:extLst>
+          </p:cNvPr>
+          <p:cNvSpPr>
+            <a:spLocks noGrp="1"/>
+          </p:cNvSpPr>
+          <p:nvPr>
+            <p:ph idx="1"/>
+          </p:nvPr>
+        </p:nvSpPr>
+        <p:spPr/>
+        <p:txBody>
+          <a:bodyPr>
+            <a:normAutofit/>
+          </a:bodyPr>
+          <a:lstStyle/>
+          <a:p>
+            <a:r>
+              <a:rPr lang="zh-CN" altLang="en-US" dirty="0"/>
+              <a:t>时效性、安全性 </a:t>
+            </a:r>
+            <a:r>
+              <a:rPr lang="en-US" altLang="zh-CN" dirty="0"/>
+              <a:t>—— </a:t>
+            </a:r>
+            <a:r>
+              <a:rPr lang="zh-CN" altLang="en-US" dirty="0"/>
+              <a:t>顺丰智慧物流</a:t>
+            </a:r>
+            <a:endParaRPr lang="en-US" altLang="zh-CN" dirty="0"/>
+          </a:p>
+          <a:p>
+            <a:r>
+              <a:rPr lang="zh-CN" altLang="en-US" dirty="0"/>
+              <a:t>高精定位服务：</a:t>
+            </a:r>
+            <a:r>
+              <a:rPr lang="en-US" altLang="zh-CN" dirty="0"/>
+              <a:t>GPS+</a:t>
+            </a:r>
+            <a:r>
+              <a:rPr lang="zh-CN" altLang="en-US" dirty="0"/>
+              <a:t>基站定位</a:t>
+            </a:r>
+            <a:r>
+              <a:rPr lang="en-US" altLang="zh-CN" dirty="0"/>
+              <a:t>+</a:t>
+            </a:r>
+            <a:r>
+              <a:rPr lang="en-US" altLang="zh-CN" dirty="0" err="1"/>
+              <a:t>WiFi</a:t>
+            </a:r>
+            <a:r>
+              <a:rPr lang="zh-CN" altLang="en-US" dirty="0"/>
+              <a:t>的混合定位模式，获取位置轨迹、纠偏、存储</a:t>
+            </a:r>
+            <a:endParaRPr lang="en-US" altLang="zh-CN" dirty="0"/>
+          </a:p>
+          <a:p>
+            <a:r>
+              <a:rPr lang="zh-CN" altLang="en-US" dirty="0"/>
+              <a:t>标准地址服务：</a:t>
+            </a:r>
+            <a:r>
+              <a:rPr lang="en-US" altLang="zh-CN" dirty="0"/>
+              <a:t>18</a:t>
+            </a:r>
+            <a:r>
+              <a:rPr lang="zh-CN" altLang="en-US" dirty="0"/>
+              <a:t>级地址，经纬度坐标</a:t>
+            </a:r>
+            <a:endParaRPr lang="en-US" altLang="zh-CN" dirty="0"/>
+          </a:p>
+          <a:p>
+            <a:r>
+              <a:rPr lang="zh-CN" altLang="en-US" dirty="0"/>
+              <a:t>路径规划服务：货车、骑车、小车路径规划</a:t>
+            </a:r>
+            <a:endParaRPr lang="en-US" altLang="zh-CN" dirty="0"/>
+          </a:p>
+          <a:p>
+            <a:r>
+              <a:rPr lang="zh-CN" altLang="en-US" dirty="0"/>
+              <a:t>海量订单路由分单、货运</a:t>
+            </a:r>
+            <a:r>
+              <a:rPr lang="en-US" altLang="zh-CN" dirty="0"/>
+              <a:t>/</a:t>
+            </a:r>
+            <a:r>
+              <a:rPr lang="zh-CN" altLang="en-US" dirty="0"/>
+              <a:t>骑行路径规划</a:t>
+            </a:r>
+            <a:endParaRPr lang="en-US" altLang="zh-CN" dirty="0"/>
+          </a:p>
+          <a:p>
+            <a:r>
+              <a:rPr lang="zh-CN" altLang="en-US" dirty="0"/>
+              <a:t>派件难度决策服务：最后一公里</a:t>
+            </a:r>
+            <a:endParaRPr lang="en-US" altLang="zh-CN" dirty="0"/>
+          </a:p>
+          <a:p>
+            <a:r>
+              <a:rPr lang="zh-CN" altLang="en-US" dirty="0"/>
+              <a:t>智能头柜决策服务</a:t>
+            </a:r>
+          </a:p>
+        </p:txBody>
+      </p:sp>
+    </p:spTree>
+    <p:extLst>
+      <p:ext uri="{BB962C8B-B14F-4D97-AF65-F5344CB8AC3E}">
+        <p14:creationId xmlns:p14="http://schemas.microsoft.com/office/powerpoint/2010/main" val="1278810930"/>
       </p:ext>
     </p:extLst>
   </p:cSld>
